--- a/lecture13/slides13.pptx
+++ b/lecture13/slides13.pptx
@@ -212,7 +212,7 @@
           <a:p>
             <a:fld id="{04867742-BDED-4508-917B-43ED8802BA34}" type="datetimeFigureOut">
               <a:rPr lang="en-US" smtClean="0"/>
-              <a:t>1/9/2023</a:t>
+              <a:t>2/8/2023</a:t>
             </a:fld>
             <a:endParaRPr lang="en-US"/>
           </a:p>
@@ -2081,7 +2081,7 @@
           <a:p>
             <a:fld id="{2D964F6E-E4A7-405B-ACFF-606DF45B32CD}" type="datetimeFigureOut">
               <a:rPr lang="en-US" smtClean="0"/>
-              <a:t>1/9/2023</a:t>
+              <a:t>2/8/2023</a:t>
             </a:fld>
             <a:endParaRPr lang="en-US"/>
           </a:p>
@@ -2251,7 +2251,7 @@
           <a:p>
             <a:fld id="{2D964F6E-E4A7-405B-ACFF-606DF45B32CD}" type="datetimeFigureOut">
               <a:rPr lang="en-US" smtClean="0"/>
-              <a:t>1/9/2023</a:t>
+              <a:t>2/8/2023</a:t>
             </a:fld>
             <a:endParaRPr lang="en-US"/>
           </a:p>
@@ -2431,7 +2431,7 @@
           <a:p>
             <a:fld id="{2D964F6E-E4A7-405B-ACFF-606DF45B32CD}" type="datetimeFigureOut">
               <a:rPr lang="en-US" smtClean="0"/>
-              <a:t>1/9/2023</a:t>
+              <a:t>2/8/2023</a:t>
             </a:fld>
             <a:endParaRPr lang="en-US"/>
           </a:p>
@@ -3190,7 +3190,7 @@
           <a:p>
             <a:fld id="{2D964F6E-E4A7-405B-ACFF-606DF45B32CD}" type="datetimeFigureOut">
               <a:rPr lang="en-US" smtClean="0"/>
-              <a:t>1/9/2023</a:t>
+              <a:t>2/8/2023</a:t>
             </a:fld>
             <a:endParaRPr lang="en-US"/>
           </a:p>
@@ -3436,7 +3436,7 @@
           <a:p>
             <a:fld id="{2D964F6E-E4A7-405B-ACFF-606DF45B32CD}" type="datetimeFigureOut">
               <a:rPr lang="en-US" smtClean="0"/>
-              <a:t>1/9/2023</a:t>
+              <a:t>2/8/2023</a:t>
             </a:fld>
             <a:endParaRPr lang="en-US"/>
           </a:p>
@@ -3668,7 +3668,7 @@
           <a:p>
             <a:fld id="{2D964F6E-E4A7-405B-ACFF-606DF45B32CD}" type="datetimeFigureOut">
               <a:rPr lang="en-US" smtClean="0"/>
-              <a:t>1/9/2023</a:t>
+              <a:t>2/8/2023</a:t>
             </a:fld>
             <a:endParaRPr lang="en-US"/>
           </a:p>
@@ -4035,7 +4035,7 @@
           <a:p>
             <a:fld id="{2D964F6E-E4A7-405B-ACFF-606DF45B32CD}" type="datetimeFigureOut">
               <a:rPr lang="en-US" smtClean="0"/>
-              <a:t>1/9/2023</a:t>
+              <a:t>2/8/2023</a:t>
             </a:fld>
             <a:endParaRPr lang="en-US"/>
           </a:p>
@@ -4153,7 +4153,7 @@
           <a:p>
             <a:fld id="{2D964F6E-E4A7-405B-ACFF-606DF45B32CD}" type="datetimeFigureOut">
               <a:rPr lang="en-US" smtClean="0"/>
-              <a:t>1/9/2023</a:t>
+              <a:t>2/8/2023</a:t>
             </a:fld>
             <a:endParaRPr lang="en-US"/>
           </a:p>
@@ -4248,7 +4248,7 @@
           <a:p>
             <a:fld id="{2D964F6E-E4A7-405B-ACFF-606DF45B32CD}" type="datetimeFigureOut">
               <a:rPr lang="en-US" smtClean="0"/>
-              <a:t>1/9/2023</a:t>
+              <a:t>2/8/2023</a:t>
             </a:fld>
             <a:endParaRPr lang="en-US"/>
           </a:p>
@@ -4525,7 +4525,7 @@
           <a:p>
             <a:fld id="{2D964F6E-E4A7-405B-ACFF-606DF45B32CD}" type="datetimeFigureOut">
               <a:rPr lang="en-US" smtClean="0"/>
-              <a:t>1/9/2023</a:t>
+              <a:t>2/8/2023</a:t>
             </a:fld>
             <a:endParaRPr lang="en-US"/>
           </a:p>
@@ -4782,7 +4782,7 @@
           <a:p>
             <a:fld id="{2D964F6E-E4A7-405B-ACFF-606DF45B32CD}" type="datetimeFigureOut">
               <a:rPr lang="en-US" smtClean="0"/>
-              <a:t>1/9/2023</a:t>
+              <a:t>2/8/2023</a:t>
             </a:fld>
             <a:endParaRPr lang="en-US"/>
           </a:p>
@@ -4995,7 +4995,7 @@
           <a:p>
             <a:fld id="{2D964F6E-E4A7-405B-ACFF-606DF45B32CD}" type="datetimeFigureOut">
               <a:rPr lang="en-US" smtClean="0"/>
-              <a:t>1/9/2023</a:t>
+              <a:t>2/8/2023</a:t>
             </a:fld>
             <a:endParaRPr lang="en-US"/>
           </a:p>
@@ -6134,7 +6134,7 @@
               <a:buNone/>
             </a:pPr>
             <a:r>
-              <a:rPr lang="en">
+              <a:rPr lang="en" dirty="0">
                 <a:solidFill>
                   <a:srgbClr val="FFFFFF"/>
                 </a:solidFill>
@@ -6145,7 +6145,7 @@
               </a:rPr>
               <a:t>HTTP/1.1 404 Not Found</a:t>
             </a:r>
-            <a:endParaRPr>
+            <a:endParaRPr dirty="0">
               <a:solidFill>
                 <a:srgbClr val="FFFFFF"/>
               </a:solidFill>
@@ -6160,7 +6160,7 @@
               <a:buNone/>
             </a:pPr>
             <a:r>
-              <a:rPr lang="en">
+              <a:rPr lang="en" dirty="0">
                 <a:solidFill>
                   <a:srgbClr val="FFFFFF"/>
                 </a:solidFill>
@@ -6171,7 +6171,7 @@
               </a:rPr>
               <a:t>Content-Type: text/html</a:t>
             </a:r>
-            <a:endParaRPr>
+            <a:endParaRPr dirty="0">
               <a:solidFill>
                 <a:srgbClr val="FFFFFF"/>
               </a:solidFill>
@@ -6186,7 +6186,7 @@
               <a:buNone/>
             </a:pPr>
             <a:r>
-              <a:rPr lang="en">
+              <a:rPr lang="en" dirty="0">
                 <a:solidFill>
                   <a:srgbClr val="FFFFFF"/>
                 </a:solidFill>
@@ -6197,7 +6197,7 @@
               </a:rPr>
               <a:t>...</a:t>
             </a:r>
-            <a:endParaRPr>
+            <a:endParaRPr dirty="0">
               <a:solidFill>
                 <a:srgbClr val="FFFFFF"/>
               </a:solidFill>
@@ -6245,6 +6245,10 @@
           </p:nvPr>
         </p:nvSpPr>
         <p:spPr>
+          <a:xfrm>
+            <a:off x="415600" y="1374708"/>
+            <a:ext cx="11360800" cy="4555200"/>
+          </a:xfrm>
           <a:prstGeom prst="rect">
             <a:avLst/>
           </a:prstGeom>
@@ -6717,7 +6721,7 @@
         </p:blipFill>
         <p:spPr>
           <a:xfrm>
-            <a:off x="8123459" y="721368"/>
+            <a:off x="8513984" y="534830"/>
             <a:ext cx="3437923" cy="1693841"/>
           </a:xfrm>
           <a:prstGeom prst="rect">
@@ -6739,7 +6743,7 @@
         </p:nvSpPr>
         <p:spPr>
           <a:xfrm>
-            <a:off x="4554296" y="721368"/>
+            <a:off x="946580" y="2828835"/>
             <a:ext cx="3826565" cy="1200329"/>
           </a:xfrm>
           <a:prstGeom prst="rect">
@@ -6917,8 +6921,8 @@
         </p:nvSpPr>
         <p:spPr>
           <a:xfrm>
-            <a:off x="2516619" y="5730413"/>
-            <a:ext cx="3152993" cy="923330"/>
+            <a:off x="1452569" y="3191362"/>
+            <a:ext cx="3152993" cy="1477328"/>
           </a:xfrm>
           <a:prstGeom prst="rect">
             <a:avLst/>
@@ -6985,6 +6989,37 @@
               </a:rPr>
               <a:t>...</a:t>
             </a:r>
+          </a:p>
+          <a:p>
+            <a:pPr marL="0" indent="0">
+              <a:buNone/>
+            </a:pPr>
+            <a:r>
+              <a:rPr lang="en-US" dirty="0">
+                <a:solidFill>
+                  <a:srgbClr val="FFFFFF"/>
+                </a:solidFill>
+                <a:latin typeface="Consolas"/>
+                <a:ea typeface="Consolas"/>
+                <a:cs typeface="Consolas"/>
+                <a:sym typeface="Consolas"/>
+              </a:rPr>
+              <a:t>&lt;html&gt;</a:t>
+            </a:r>
+          </a:p>
+          <a:p>
+            <a:pPr marL="0" indent="0">
+              <a:buNone/>
+            </a:pPr>
+            <a:endParaRPr lang="en-US" dirty="0">
+              <a:solidFill>
+                <a:srgbClr val="FFFFFF"/>
+              </a:solidFill>
+              <a:latin typeface="Consolas"/>
+              <a:ea typeface="Consolas"/>
+              <a:cs typeface="Consolas"/>
+              <a:sym typeface="Consolas"/>
+            </a:endParaRPr>
           </a:p>
         </p:txBody>
       </p:sp>
